--- a/document/Week_1/Report_Week_1.pptx
+++ b/document/Week_1/Report_Week_1.pptx
@@ -5,7 +5,7 @@
     <p:sldMasterId id="2147483648" r:id="rId1"/>
   </p:sldMasterIdLst>
   <p:notesMasterIdLst>
-    <p:notesMasterId r:id="rId13"/>
+    <p:notesMasterId r:id="rId16"/>
   </p:notesMasterIdLst>
   <p:sldIdLst>
     <p:sldId id="256" r:id="rId2"/>
@@ -14,11 +14,14 @@
     <p:sldId id="259" r:id="rId5"/>
     <p:sldId id="260" r:id="rId6"/>
     <p:sldId id="262" r:id="rId7"/>
-    <p:sldId id="261" r:id="rId8"/>
-    <p:sldId id="263" r:id="rId9"/>
-    <p:sldId id="264" r:id="rId10"/>
-    <p:sldId id="265" r:id="rId11"/>
-    <p:sldId id="266" r:id="rId12"/>
+    <p:sldId id="268" r:id="rId8"/>
+    <p:sldId id="269" r:id="rId9"/>
+    <p:sldId id="261" r:id="rId10"/>
+    <p:sldId id="263" r:id="rId11"/>
+    <p:sldId id="264" r:id="rId12"/>
+    <p:sldId id="270" r:id="rId13"/>
+    <p:sldId id="265" r:id="rId14"/>
+    <p:sldId id="266" r:id="rId15"/>
   </p:sldIdLst>
   <p:sldSz cx="12192000" cy="6858000"/>
   <p:notesSz cx="6858000" cy="9144000"/>
@@ -117,6 +120,11 @@
       </a:defRPr>
     </a:lvl9pPr>
   </p:defaultTextStyle>
+  <p:extLst>
+    <p:ext uri="{EFAFB233-063F-42B5-8137-9DF3F51BA10A}">
+      <p15:sldGuideLst xmlns:p15="http://schemas.microsoft.com/office/powerpoint/2012/main"/>
+    </p:ext>
+  </p:extLst>
 </p:presentation>
 </file>
 
@@ -202,7 +210,7 @@
           <a:p>
             <a:fld id="{9915614A-DFF0-4564-9F89-671F1D39B91E}" type="datetimeFigureOut">
               <a:rPr lang="en-US" smtClean="0"/>
-              <a:t>9/17/2018</a:t>
+              <a:t>9/19/2018</a:t>
             </a:fld>
             <a:endParaRPr lang="en-US"/>
           </a:p>
@@ -836,6 +844,90 @@
     <p:extLst>
       <p:ext uri="{BB962C8B-B14F-4D97-AF65-F5344CB8AC3E}">
         <p14:creationId xmlns:p14="http://schemas.microsoft.com/office/powerpoint/2010/main" val="448141875"/>
+      </p:ext>
+    </p:extLst>
+  </p:cSld>
+  <p:clrMapOvr>
+    <a:masterClrMapping/>
+  </p:clrMapOvr>
+</p:notes>
+</file>
+
+<file path=ppt/notesSlides/notesSlide4.xml><?xml version="1.0" encoding="utf-8"?>
+<p:notes xmlns:a="http://schemas.openxmlformats.org/drawingml/2006/main" xmlns:r="http://schemas.openxmlformats.org/officeDocument/2006/relationships" xmlns:p="http://schemas.openxmlformats.org/presentationml/2006/main">
+  <p:cSld>
+    <p:spTree>
+      <p:nvGrpSpPr>
+        <p:cNvPr id="1" name=""/>
+        <p:cNvGrpSpPr/>
+        <p:nvPr/>
+      </p:nvGrpSpPr>
+      <p:grpSpPr>
+        <a:xfrm>
+          <a:off x="0" y="0"/>
+          <a:ext cx="0" cy="0"/>
+          <a:chOff x="0" y="0"/>
+          <a:chExt cx="0" cy="0"/>
+        </a:xfrm>
+      </p:grpSpPr>
+      <p:sp>
+        <p:nvSpPr>
+          <p:cNvPr id="2" name="Slide Image Placeholder 1"/>
+          <p:cNvSpPr>
+            <a:spLocks noGrp="1" noRot="1" noChangeAspect="1"/>
+          </p:cNvSpPr>
+          <p:nvPr>
+            <p:ph type="sldImg"/>
+          </p:nvPr>
+        </p:nvSpPr>
+        <p:spPr/>
+      </p:sp>
+      <p:sp>
+        <p:nvSpPr>
+          <p:cNvPr id="3" name="Notes Placeholder 2"/>
+          <p:cNvSpPr>
+            <a:spLocks noGrp="1"/>
+          </p:cNvSpPr>
+          <p:nvPr>
+            <p:ph type="body" idx="1"/>
+          </p:nvPr>
+        </p:nvSpPr>
+        <p:spPr/>
+        <p:txBody>
+          <a:bodyPr/>
+          <a:lstStyle/>
+          <a:p>
+            <a:endParaRPr lang="en-US" dirty="0"/>
+          </a:p>
+        </p:txBody>
+      </p:sp>
+      <p:sp>
+        <p:nvSpPr>
+          <p:cNvPr id="4" name="Slide Number Placeholder 3"/>
+          <p:cNvSpPr>
+            <a:spLocks noGrp="1"/>
+          </p:cNvSpPr>
+          <p:nvPr>
+            <p:ph type="sldNum" sz="quarter" idx="5"/>
+          </p:nvPr>
+        </p:nvSpPr>
+        <p:spPr/>
+        <p:txBody>
+          <a:bodyPr/>
+          <a:lstStyle/>
+          <a:p>
+            <a:fld id="{C3ACD851-EE8D-4B56-A274-DE8B24B291CF}" type="slidenum">
+              <a:rPr lang="en-US" smtClean="0"/>
+              <a:t>11</a:t>
+            </a:fld>
+            <a:endParaRPr lang="en-US"/>
+          </a:p>
+        </p:txBody>
+      </p:sp>
+    </p:spTree>
+    <p:extLst>
+      <p:ext uri="{BB962C8B-B14F-4D97-AF65-F5344CB8AC3E}">
+        <p14:creationId xmlns:p14="http://schemas.microsoft.com/office/powerpoint/2010/main" val="3863761886"/>
       </p:ext>
     </p:extLst>
   </p:cSld>
@@ -1568,7 +1660,7 @@
             <a:fld id="{B61BEF0D-F0BB-DE4B-95CE-6DB70DBA9567}" type="datetimeFigureOut">
               <a:rPr lang="en-US" dirty="0"/>
               <a:pPr/>
-              <a:t>9/17/2018</a:t>
+              <a:t>9/19/2018</a:t>
             </a:fld>
             <a:endParaRPr lang="en-US" dirty="0"/>
           </a:p>
@@ -1816,7 +1908,7 @@
             <a:fld id="{B61BEF0D-F0BB-DE4B-95CE-6DB70DBA9567}" type="datetimeFigureOut">
               <a:rPr lang="en-US" dirty="0"/>
               <a:pPr/>
-              <a:t>9/17/2018</a:t>
+              <a:t>9/19/2018</a:t>
             </a:fld>
             <a:endParaRPr lang="en-US" dirty="0"/>
           </a:p>
@@ -2127,7 +2219,7 @@
             <a:fld id="{B61BEF0D-F0BB-DE4B-95CE-6DB70DBA9567}" type="datetimeFigureOut">
               <a:rPr lang="en-US" dirty="0"/>
               <a:pPr/>
-              <a:t>9/17/2018</a:t>
+              <a:t>9/19/2018</a:t>
             </a:fld>
             <a:endParaRPr lang="en-US" dirty="0"/>
           </a:p>
@@ -2465,7 +2557,7 @@
             <a:fld id="{B61BEF0D-F0BB-DE4B-95CE-6DB70DBA9567}" type="datetimeFigureOut">
               <a:rPr lang="en-US" dirty="0"/>
               <a:pPr/>
-              <a:t>9/17/2018</a:t>
+              <a:t>9/19/2018</a:t>
             </a:fld>
             <a:endParaRPr lang="en-US" dirty="0"/>
           </a:p>
@@ -2776,7 +2868,7 @@
             <a:fld id="{B61BEF0D-F0BB-DE4B-95CE-6DB70DBA9567}" type="datetimeFigureOut">
               <a:rPr lang="en-US" dirty="0"/>
               <a:pPr/>
-              <a:t>9/17/2018</a:t>
+              <a:t>9/19/2018</a:t>
             </a:fld>
             <a:endParaRPr lang="en-US" dirty="0"/>
           </a:p>
@@ -3166,7 +3258,7 @@
             <a:fld id="{B61BEF0D-F0BB-DE4B-95CE-6DB70DBA9567}" type="datetimeFigureOut">
               <a:rPr lang="en-US" dirty="0"/>
               <a:pPr/>
-              <a:t>9/17/2018</a:t>
+              <a:t>9/19/2018</a:t>
             </a:fld>
             <a:endParaRPr lang="en-US" dirty="0"/>
           </a:p>
@@ -3332,7 +3424,7 @@
           <a:p>
             <a:fld id="{55C6B4A9-1611-4792-9094-5F34BCA07E0B}" type="datetimeFigureOut">
               <a:rPr lang="en-US" dirty="0"/>
-              <a:t>9/17/2018</a:t>
+              <a:t>9/19/2018</a:t>
             </a:fld>
             <a:endParaRPr lang="en-US" dirty="0"/>
           </a:p>
@@ -3508,7 +3600,7 @@
             <a:fld id="{B61BEF0D-F0BB-DE4B-95CE-6DB70DBA9567}" type="datetimeFigureOut">
               <a:rPr lang="en-US" dirty="0"/>
               <a:pPr/>
-              <a:t>9/17/2018</a:t>
+              <a:t>9/19/2018</a:t>
             </a:fld>
             <a:endParaRPr lang="en-US" dirty="0"/>
           </a:p>
@@ -3681,7 +3773,7 @@
             <a:fld id="{B61BEF0D-F0BB-DE4B-95CE-6DB70DBA9567}" type="datetimeFigureOut">
               <a:rPr lang="en-US" dirty="0"/>
               <a:pPr/>
-              <a:t>9/17/2018</a:t>
+              <a:t>9/19/2018</a:t>
             </a:fld>
             <a:endParaRPr lang="en-US" dirty="0"/>
           </a:p>
@@ -3925,7 +4017,7 @@
             <a:fld id="{B61BEF0D-F0BB-DE4B-95CE-6DB70DBA9567}" type="datetimeFigureOut">
               <a:rPr lang="en-US" dirty="0"/>
               <a:pPr/>
-              <a:t>9/17/2018</a:t>
+              <a:t>9/19/2018</a:t>
             </a:fld>
             <a:endParaRPr lang="en-US" dirty="0"/>
           </a:p>
@@ -4153,7 +4245,7 @@
           <a:p>
             <a:fld id="{EB712588-04B1-427B-82EE-E8DB90309F08}" type="datetimeFigureOut">
               <a:rPr lang="en-US" dirty="0"/>
-              <a:t>9/17/2018</a:t>
+              <a:t>9/19/2018</a:t>
             </a:fld>
             <a:endParaRPr lang="en-US" dirty="0"/>
           </a:p>
@@ -4523,7 +4615,7 @@
             <a:fld id="{B61BEF0D-F0BB-DE4B-95CE-6DB70DBA9567}" type="datetimeFigureOut">
               <a:rPr lang="en-US" dirty="0"/>
               <a:pPr/>
-              <a:t>9/17/2018</a:t>
+              <a:t>9/19/2018</a:t>
             </a:fld>
             <a:endParaRPr lang="en-US" dirty="0"/>
           </a:p>
@@ -4643,7 +4735,7 @@
             <a:fld id="{B61BEF0D-F0BB-DE4B-95CE-6DB70DBA9567}" type="datetimeFigureOut">
               <a:rPr lang="en-US" dirty="0"/>
               <a:pPr/>
-              <a:t>9/17/2018</a:t>
+              <a:t>9/19/2018</a:t>
             </a:fld>
             <a:endParaRPr lang="en-US" dirty="0"/>
           </a:p>
@@ -4735,7 +4827,7 @@
             <a:fld id="{B61BEF0D-F0BB-DE4B-95CE-6DB70DBA9567}" type="datetimeFigureOut">
               <a:rPr lang="en-US" dirty="0"/>
               <a:pPr/>
-              <a:t>9/17/2018</a:t>
+              <a:t>9/19/2018</a:t>
             </a:fld>
             <a:endParaRPr lang="en-US" dirty="0"/>
           </a:p>
@@ -4986,7 +5078,7 @@
           <a:p>
             <a:fld id="{42A54C80-263E-416B-A8E0-580EDEADCBDC}" type="datetimeFigureOut">
               <a:rPr lang="en-US" dirty="0"/>
-              <a:t>9/17/2018</a:t>
+              <a:t>9/19/2018</a:t>
             </a:fld>
             <a:endParaRPr lang="en-US" dirty="0"/>
           </a:p>
@@ -5245,7 +5337,7 @@
             <a:fld id="{B61BEF0D-F0BB-DE4B-95CE-6DB70DBA9567}" type="datetimeFigureOut">
               <a:rPr lang="en-US" dirty="0"/>
               <a:pPr/>
-              <a:t>9/17/2018</a:t>
+              <a:t>9/19/2018</a:t>
             </a:fld>
             <a:endParaRPr lang="en-US" dirty="0"/>
           </a:p>
@@ -5985,7 +6077,7 @@
             <a:fld id="{B61BEF0D-F0BB-DE4B-95CE-6DB70DBA9567}" type="datetimeFigureOut">
               <a:rPr lang="en-US" dirty="0"/>
               <a:pPr/>
-              <a:t>9/17/2018</a:t>
+              <a:t>9/19/2018</a:t>
             </a:fld>
             <a:endParaRPr lang="en-US" dirty="0"/>
           </a:p>
@@ -6787,6 +6879,472 @@
 </file>
 
 <file path=ppt/slides/slide10.xml><?xml version="1.0" encoding="utf-8"?>
+<p:sld xmlns:a="http://schemas.openxmlformats.org/drawingml/2006/main" xmlns:r="http://schemas.openxmlformats.org/officeDocument/2006/relationships" xmlns:p="http://schemas.openxmlformats.org/presentationml/2006/main">
+  <p:cSld>
+    <p:spTree>
+      <p:nvGrpSpPr>
+        <p:cNvPr id="1" name=""/>
+        <p:cNvGrpSpPr/>
+        <p:nvPr/>
+      </p:nvGrpSpPr>
+      <p:grpSpPr>
+        <a:xfrm>
+          <a:off x="0" y="0"/>
+          <a:ext cx="0" cy="0"/>
+          <a:chOff x="0" y="0"/>
+          <a:chExt cx="0" cy="0"/>
+        </a:xfrm>
+      </p:grpSpPr>
+      <p:sp>
+        <p:nvSpPr>
+          <p:cNvPr id="2" name="Title 1">
+            <a:extLst>
+              <a:ext uri="{FF2B5EF4-FFF2-40B4-BE49-F238E27FC236}">
+                <a16:creationId xmlns:a16="http://schemas.microsoft.com/office/drawing/2014/main" id="{5FB4AB7A-2CC2-4547-91F4-3210891BA623}"/>
+              </a:ext>
+            </a:extLst>
+          </p:cNvPr>
+          <p:cNvSpPr>
+            <a:spLocks noGrp="1"/>
+          </p:cNvSpPr>
+          <p:nvPr>
+            <p:ph type="title"/>
+          </p:nvPr>
+        </p:nvSpPr>
+        <p:spPr/>
+        <p:txBody>
+          <a:bodyPr/>
+          <a:lstStyle/>
+          <a:p>
+            <a:r>
+              <a:rPr lang="en-US" dirty="0"/>
+              <a:t>Proposed Solution</a:t>
+            </a:r>
+          </a:p>
+        </p:txBody>
+      </p:sp>
+      <p:sp>
+        <p:nvSpPr>
+          <p:cNvPr id="3" name="Content Placeholder 2">
+            <a:extLst>
+              <a:ext uri="{FF2B5EF4-FFF2-40B4-BE49-F238E27FC236}">
+                <a16:creationId xmlns:a16="http://schemas.microsoft.com/office/drawing/2014/main" id="{FBF960A8-BA68-4B24-850D-185DBB437D86}"/>
+              </a:ext>
+            </a:extLst>
+          </p:cNvPr>
+          <p:cNvSpPr>
+            <a:spLocks noGrp="1"/>
+          </p:cNvSpPr>
+          <p:nvPr>
+            <p:ph idx="1"/>
+          </p:nvPr>
+        </p:nvSpPr>
+        <p:spPr/>
+        <p:txBody>
+          <a:bodyPr/>
+          <a:lstStyle/>
+          <a:p>
+            <a:pPr lvl="0"/>
+            <a:r>
+              <a:rPr lang="en-US" b="1" dirty="0"/>
+              <a:t>Advantages:</a:t>
+            </a:r>
+            <a:endParaRPr lang="en-US" dirty="0"/>
+          </a:p>
+          <a:p>
+            <a:pPr lvl="1"/>
+            <a:r>
+              <a:rPr lang="en-US" dirty="0"/>
+              <a:t>Low costs which allow more affordable prices.</a:t>
+            </a:r>
+          </a:p>
+          <a:p>
+            <a:pPr lvl="1"/>
+            <a:r>
+              <a:rPr lang="en-US" dirty="0"/>
+              <a:t>Can control using web app.</a:t>
+            </a:r>
+          </a:p>
+          <a:p>
+            <a:pPr lvl="1"/>
+            <a:r>
+              <a:rPr lang="en-US" dirty="0"/>
+              <a:t>Can see all the objects on the map.</a:t>
+            </a:r>
+          </a:p>
+          <a:p>
+            <a:pPr lvl="1"/>
+            <a:r>
+              <a:rPr lang="en-US" dirty="0"/>
+              <a:t>Can be easily set up anywhere.  </a:t>
+            </a:r>
+          </a:p>
+          <a:p>
+            <a:pPr lvl="1"/>
+            <a:r>
+              <a:rPr lang="en-US" dirty="0"/>
+              <a:t>Higher security.</a:t>
+            </a:r>
+          </a:p>
+          <a:p>
+            <a:pPr lvl="0"/>
+            <a:r>
+              <a:rPr lang="en-US" b="1" dirty="0"/>
+              <a:t>Disadvantages:</a:t>
+            </a:r>
+            <a:endParaRPr lang="en-US" dirty="0"/>
+          </a:p>
+          <a:p>
+            <a:pPr lvl="1"/>
+            <a:r>
+              <a:rPr lang="en-US" dirty="0"/>
+              <a:t>The range be limited by map. </a:t>
+            </a:r>
+          </a:p>
+          <a:p>
+            <a:endParaRPr lang="en-US" dirty="0"/>
+          </a:p>
+        </p:txBody>
+      </p:sp>
+    </p:spTree>
+    <p:extLst>
+      <p:ext uri="{BB962C8B-B14F-4D97-AF65-F5344CB8AC3E}">
+        <p14:creationId xmlns:p14="http://schemas.microsoft.com/office/powerpoint/2010/main" val="1770915150"/>
+      </p:ext>
+    </p:extLst>
+  </p:cSld>
+  <p:clrMapOvr>
+    <a:masterClrMapping/>
+  </p:clrMapOvr>
+</p:sld>
+</file>
+
+<file path=ppt/slides/slide11.xml><?xml version="1.0" encoding="utf-8"?>
+<p:sld xmlns:a="http://schemas.openxmlformats.org/drawingml/2006/main" xmlns:r="http://schemas.openxmlformats.org/officeDocument/2006/relationships" xmlns:p="http://schemas.openxmlformats.org/presentationml/2006/main">
+  <p:cSld>
+    <p:spTree>
+      <p:nvGrpSpPr>
+        <p:cNvPr id="1" name=""/>
+        <p:cNvGrpSpPr/>
+        <p:nvPr/>
+      </p:nvGrpSpPr>
+      <p:grpSpPr>
+        <a:xfrm>
+          <a:off x="0" y="0"/>
+          <a:ext cx="0" cy="0"/>
+          <a:chOff x="0" y="0"/>
+          <a:chExt cx="0" cy="0"/>
+        </a:xfrm>
+      </p:grpSpPr>
+      <p:sp>
+        <p:nvSpPr>
+          <p:cNvPr id="2" name="Title 1">
+            <a:extLst>
+              <a:ext uri="{FF2B5EF4-FFF2-40B4-BE49-F238E27FC236}">
+                <a16:creationId xmlns:a16="http://schemas.microsoft.com/office/drawing/2014/main" id="{E3FE8475-CD11-4308-88D5-E6B5468EE260}"/>
+              </a:ext>
+            </a:extLst>
+          </p:cNvPr>
+          <p:cNvSpPr>
+            <a:spLocks noGrp="1"/>
+          </p:cNvSpPr>
+          <p:nvPr>
+            <p:ph type="title"/>
+          </p:nvPr>
+        </p:nvSpPr>
+        <p:spPr/>
+        <p:txBody>
+          <a:bodyPr/>
+          <a:lstStyle/>
+          <a:p>
+            <a:r>
+              <a:rPr lang="en-US" b="1" dirty="0"/>
+              <a:t>Functional Requirements</a:t>
+            </a:r>
+            <a:br>
+              <a:rPr lang="en-US" b="1" dirty="0"/>
+            </a:br>
+            <a:endParaRPr lang="en-US" dirty="0"/>
+          </a:p>
+        </p:txBody>
+      </p:sp>
+      <p:sp>
+        <p:nvSpPr>
+          <p:cNvPr id="5" name="Content Placeholder 4">
+            <a:extLst>
+              <a:ext uri="{FF2B5EF4-FFF2-40B4-BE49-F238E27FC236}">
+                <a16:creationId xmlns:a16="http://schemas.microsoft.com/office/drawing/2014/main" id="{E9BB19BE-2A87-4DB5-B5F7-A1A5D2D080A1}"/>
+              </a:ext>
+            </a:extLst>
+          </p:cNvPr>
+          <p:cNvSpPr>
+            <a:spLocks noGrp="1"/>
+          </p:cNvSpPr>
+          <p:nvPr>
+            <p:ph idx="1"/>
+          </p:nvPr>
+        </p:nvSpPr>
+        <p:spPr/>
+        <p:txBody>
+          <a:bodyPr/>
+          <a:lstStyle/>
+          <a:p>
+            <a:endParaRPr lang="en-US"/>
+          </a:p>
+        </p:txBody>
+      </p:sp>
+      <p:pic>
+        <p:nvPicPr>
+          <p:cNvPr id="6" name="Picture 5">
+            <a:extLst>
+              <a:ext uri="{FF2B5EF4-FFF2-40B4-BE49-F238E27FC236}">
+                <a16:creationId xmlns:a16="http://schemas.microsoft.com/office/drawing/2014/main" id="{8BFCBD4B-ECB4-49FB-A5C2-B0A23249CCFC}"/>
+              </a:ext>
+            </a:extLst>
+          </p:cNvPr>
+          <p:cNvPicPr>
+            <a:picLocks noChangeAspect="1"/>
+          </p:cNvPicPr>
+          <p:nvPr/>
+        </p:nvPicPr>
+        <p:blipFill>
+          <a:blip r:embed="rId3"/>
+          <a:stretch>
+            <a:fillRect/>
+          </a:stretch>
+        </p:blipFill>
+        <p:spPr>
+          <a:xfrm>
+            <a:off x="677334" y="2160589"/>
+            <a:ext cx="8596668" cy="3923607"/>
+          </a:xfrm>
+          <a:prstGeom prst="rect">
+            <a:avLst/>
+          </a:prstGeom>
+        </p:spPr>
+      </p:pic>
+    </p:spTree>
+    <p:extLst>
+      <p:ext uri="{BB962C8B-B14F-4D97-AF65-F5344CB8AC3E}">
+        <p14:creationId xmlns:p14="http://schemas.microsoft.com/office/powerpoint/2010/main" val="3115800417"/>
+      </p:ext>
+    </p:extLst>
+  </p:cSld>
+  <p:clrMapOvr>
+    <a:masterClrMapping/>
+  </p:clrMapOvr>
+</p:sld>
+</file>
+
+<file path=ppt/slides/slide12.xml><?xml version="1.0" encoding="utf-8"?>
+<p:sld xmlns:a="http://schemas.openxmlformats.org/drawingml/2006/main" xmlns:r="http://schemas.openxmlformats.org/officeDocument/2006/relationships" xmlns:p="http://schemas.openxmlformats.org/presentationml/2006/main">
+  <p:cSld>
+    <p:spTree>
+      <p:nvGrpSpPr>
+        <p:cNvPr id="1" name=""/>
+        <p:cNvGrpSpPr/>
+        <p:nvPr/>
+      </p:nvGrpSpPr>
+      <p:grpSpPr>
+        <a:xfrm>
+          <a:off x="0" y="0"/>
+          <a:ext cx="0" cy="0"/>
+          <a:chOff x="0" y="0"/>
+          <a:chExt cx="0" cy="0"/>
+        </a:xfrm>
+      </p:grpSpPr>
+      <p:sp>
+        <p:nvSpPr>
+          <p:cNvPr id="2" name="Title 1">
+            <a:extLst>
+              <a:ext uri="{FF2B5EF4-FFF2-40B4-BE49-F238E27FC236}">
+                <a16:creationId xmlns:a16="http://schemas.microsoft.com/office/drawing/2014/main" id="{C70CDA12-68DF-4B32-B075-355519996F15}"/>
+              </a:ext>
+            </a:extLst>
+          </p:cNvPr>
+          <p:cNvSpPr>
+            <a:spLocks noGrp="1"/>
+          </p:cNvSpPr>
+          <p:nvPr>
+            <p:ph type="title"/>
+          </p:nvPr>
+        </p:nvSpPr>
+        <p:spPr/>
+        <p:txBody>
+          <a:bodyPr/>
+          <a:lstStyle/>
+          <a:p>
+            <a:r>
+              <a:rPr lang="en-US" dirty="0"/>
+              <a:t>A</a:t>
+            </a:r>
+            <a:r>
+              <a:rPr lang="vi-VN" dirty="0"/>
+              <a:t>lgorithm</a:t>
+            </a:r>
+            <a:endParaRPr lang="en-US" dirty="0"/>
+          </a:p>
+        </p:txBody>
+      </p:sp>
+      <p:sp>
+        <p:nvSpPr>
+          <p:cNvPr id="3" name="Content Placeholder 2">
+            <a:extLst>
+              <a:ext uri="{FF2B5EF4-FFF2-40B4-BE49-F238E27FC236}">
+                <a16:creationId xmlns:a16="http://schemas.microsoft.com/office/drawing/2014/main" id="{66898DAE-4A9F-471C-8DCB-0C9277CF3336}"/>
+              </a:ext>
+            </a:extLst>
+          </p:cNvPr>
+          <p:cNvSpPr>
+            <a:spLocks noGrp="1"/>
+          </p:cNvSpPr>
+          <p:nvPr>
+            <p:ph idx="1"/>
+          </p:nvPr>
+        </p:nvSpPr>
+        <p:spPr>
+          <a:xfrm>
+            <a:off x="677334" y="2160589"/>
+            <a:ext cx="8596668" cy="3880773"/>
+          </a:xfrm>
+        </p:spPr>
+        <p:txBody>
+          <a:bodyPr/>
+          <a:lstStyle/>
+          <a:p>
+            <a:r>
+              <a:rPr lang="en-US" dirty="0"/>
+              <a:t>Distance between 2 points in Oxy</a:t>
+            </a:r>
+          </a:p>
+          <a:p>
+            <a:endParaRPr lang="en-US" dirty="0"/>
+          </a:p>
+          <a:p>
+            <a:endParaRPr lang="en-US" dirty="0"/>
+          </a:p>
+          <a:p>
+            <a:r>
+              <a:rPr lang="en-US" dirty="0"/>
+              <a:t>Distance from Beacon to ESP</a:t>
+            </a:r>
+          </a:p>
+          <a:p>
+            <a:pPr marL="457200" lvl="1" indent="0">
+              <a:buNone/>
+            </a:pPr>
+            <a:r>
+              <a:rPr lang="pt-BR" dirty="0"/>
+              <a:t>d = A*(r/t)^B+C</a:t>
+            </a:r>
+          </a:p>
+          <a:p>
+            <a:pPr marL="457200" lvl="1" indent="0">
+              <a:buNone/>
+            </a:pPr>
+            <a:r>
+              <a:rPr lang="pt-BR" dirty="0"/>
+              <a:t>	</a:t>
+            </a:r>
+          </a:p>
+          <a:p>
+            <a:pPr marL="0" indent="0">
+              <a:buNone/>
+            </a:pPr>
+            <a:r>
+              <a:rPr lang="pt-BR" dirty="0"/>
+              <a:t>	</a:t>
+            </a:r>
+            <a:endParaRPr lang="en-US" dirty="0"/>
+          </a:p>
+        </p:txBody>
+      </p:sp>
+      <p:pic>
+        <p:nvPicPr>
+          <p:cNvPr id="5" name="Graphic 4">
+            <a:extLst>
+              <a:ext uri="{FF2B5EF4-FFF2-40B4-BE49-F238E27FC236}">
+                <a16:creationId xmlns:a16="http://schemas.microsoft.com/office/drawing/2014/main" id="{C05F6B28-2B57-41A8-8C8E-7FA7A97D9C30}"/>
+              </a:ext>
+            </a:extLst>
+          </p:cNvPr>
+          <p:cNvPicPr>
+            <a:picLocks noChangeAspect="1"/>
+          </p:cNvPicPr>
+          <p:nvPr/>
+        </p:nvPicPr>
+        <p:blipFill>
+          <a:blip r:embed="rId2">
+            <a:extLst>
+              <a:ext uri="{96DAC541-7B7A-43D3-8B79-37D633B846F1}">
+                <asvg:svgBlip xmlns:asvg="http://schemas.microsoft.com/office/drawing/2016/SVG/main" r:embed="rId3"/>
+              </a:ext>
+            </a:extLst>
+          </a:blip>
+          <a:stretch>
+            <a:fillRect/>
+          </a:stretch>
+        </p:blipFill>
+        <p:spPr>
+          <a:xfrm>
+            <a:off x="677334" y="2777179"/>
+            <a:ext cx="2362479" cy="531100"/>
+          </a:xfrm>
+          <a:prstGeom prst="rect">
+            <a:avLst/>
+          </a:prstGeom>
+        </p:spPr>
+      </p:pic>
+      <p:pic>
+        <p:nvPicPr>
+          <p:cNvPr id="13" name="Graphic 12">
+            <a:extLst>
+              <a:ext uri="{FF2B5EF4-FFF2-40B4-BE49-F238E27FC236}">
+                <a16:creationId xmlns:a16="http://schemas.microsoft.com/office/drawing/2014/main" id="{ECD5CC06-2638-47B0-9AB1-D2E0527635F0}"/>
+              </a:ext>
+            </a:extLst>
+          </p:cNvPr>
+          <p:cNvPicPr>
+            <a:picLocks noChangeAspect="1"/>
+          </p:cNvPicPr>
+          <p:nvPr/>
+        </p:nvPicPr>
+        <p:blipFill>
+          <a:blip r:embed="rId4">
+            <a:extLst>
+              <a:ext uri="{96DAC541-7B7A-43D3-8B79-37D633B846F1}">
+                <asvg:svgBlip xmlns:asvg="http://schemas.microsoft.com/office/drawing/2016/SVG/main" r:embed="rId5"/>
+              </a:ext>
+            </a:extLst>
+          </a:blip>
+          <a:stretch>
+            <a:fillRect/>
+          </a:stretch>
+        </p:blipFill>
+        <p:spPr>
+          <a:xfrm>
+            <a:off x="3240533" y="2900470"/>
+            <a:ext cx="3273283" cy="286834"/>
+          </a:xfrm>
+          <a:prstGeom prst="rect">
+            <a:avLst/>
+          </a:prstGeom>
+        </p:spPr>
+      </p:pic>
+    </p:spTree>
+    <p:extLst>
+      <p:ext uri="{BB962C8B-B14F-4D97-AF65-F5344CB8AC3E}">
+        <p14:creationId xmlns:p14="http://schemas.microsoft.com/office/powerpoint/2010/main" val="3054267877"/>
+      </p:ext>
+    </p:extLst>
+  </p:cSld>
+  <p:clrMapOvr>
+    <a:masterClrMapping/>
+  </p:clrMapOvr>
+</p:sld>
+</file>
+
+<file path=ppt/slides/slide13.xml><?xml version="1.0" encoding="utf-8"?>
 <p:sld xmlns:a="http://schemas.openxmlformats.org/drawingml/2006/main" xmlns:r="http://schemas.openxmlformats.org/officeDocument/2006/relationships" xmlns:p="http://schemas.openxmlformats.org/presentationml/2006/main">
   <p:cSld>
     <p:spTree>
@@ -7773,7 +8331,7 @@
 </p:sld>
 </file>
 
-<file path=ppt/slides/slide11.xml><?xml version="1.0" encoding="utf-8"?>
+<file path=ppt/slides/slide14.xml><?xml version="1.0" encoding="utf-8"?>
 <p:sld xmlns:a="http://schemas.openxmlformats.org/drawingml/2006/main" xmlns:r="http://schemas.openxmlformats.org/officeDocument/2006/relationships" xmlns:p="http://schemas.openxmlformats.org/presentationml/2006/main">
   <p:cSld>
     <p:spTree>
@@ -8324,9 +8882,56 @@
         </p:blipFill>
         <p:spPr>
           <a:xfrm>
-            <a:off x="352927" y="1599400"/>
-            <a:ext cx="9041329" cy="4961821"/>
+            <a:off x="82193" y="1306045"/>
+            <a:ext cx="6503542" cy="4986335"/>
           </a:xfrm>
+        </p:spPr>
+      </p:pic>
+      <p:pic>
+        <p:nvPicPr>
+          <p:cNvPr id="4" name="Picture 2" descr="Kết quả hình ảnh cho camera security">
+            <a:extLst>
+              <a:ext uri="{FF2B5EF4-FFF2-40B4-BE49-F238E27FC236}">
+                <a16:creationId xmlns:a16="http://schemas.microsoft.com/office/drawing/2014/main" id="{533F3747-692D-400B-810E-2BCB18735CA3}"/>
+              </a:ext>
+            </a:extLst>
+          </p:cNvPr>
+          <p:cNvPicPr>
+            <a:picLocks noChangeAspect="1" noChangeArrowheads="1"/>
+          </p:cNvPicPr>
+          <p:nvPr/>
+        </p:nvPicPr>
+        <p:blipFill>
+          <a:blip r:embed="rId4">
+            <a:extLst>
+              <a:ext uri="{28A0092B-C50C-407E-A947-70E740481C1C}">
+                <a14:useLocalDpi xmlns:a14="http://schemas.microsoft.com/office/drawing/2010/main" val="0"/>
+              </a:ext>
+            </a:extLst>
+          </a:blip>
+          <a:srcRect/>
+          <a:stretch>
+            <a:fillRect/>
+          </a:stretch>
+        </p:blipFill>
+        <p:spPr bwMode="auto">
+          <a:xfrm>
+            <a:off x="6585735" y="2442109"/>
+            <a:ext cx="3305730" cy="2199813"/>
+          </a:xfrm>
+          <a:prstGeom prst="rect">
+            <a:avLst/>
+          </a:prstGeom>
+          <a:noFill/>
+          <a:extLst>
+            <a:ext uri="{909E8E84-426E-40DD-AFC4-6F175D3DCCD1}">
+              <a14:hiddenFill xmlns:a14="http://schemas.microsoft.com/office/drawing/2010/main">
+                <a:solidFill>
+                  <a:srgbClr val="FFFFFF"/>
+                </a:solidFill>
+              </a14:hiddenFill>
+            </a:ext>
+          </a:extLst>
         </p:spPr>
       </p:pic>
     </p:spTree>
@@ -8498,7 +9103,7 @@
           <p:cNvPr id="2" name="Title 1">
             <a:extLst>
               <a:ext uri="{FF2B5EF4-FFF2-40B4-BE49-F238E27FC236}">
-                <a16:creationId xmlns:a16="http://schemas.microsoft.com/office/drawing/2014/main" id="{E2F3906D-C886-4938-BEEA-6F3790FF2EDF}"/>
+                <a16:creationId xmlns:a16="http://schemas.microsoft.com/office/drawing/2014/main" id="{2AF63E46-778B-4F22-8A2D-9F21EC28EE0B}"/>
               </a:ext>
             </a:extLst>
           </p:cNvPr>
@@ -8516,99 +9121,575 @@
           <a:p>
             <a:r>
               <a:rPr lang="en-US" dirty="0"/>
-              <a:t>Proposed Solution</a:t>
-            </a:r>
-          </a:p>
-        </p:txBody>
-      </p:sp>
-      <p:sp>
-        <p:nvSpPr>
-          <p:cNvPr id="3" name="Content Placeholder 2">
+              <a:t>Comparisons</a:t>
+            </a:r>
+            <a:br>
+              <a:rPr lang="en-US" b="1" dirty="0"/>
+            </a:br>
+            <a:endParaRPr lang="en-US" dirty="0"/>
+          </a:p>
+        </p:txBody>
+      </p:sp>
+      <p:graphicFrame>
+        <p:nvGraphicFramePr>
+          <p:cNvPr id="4" name="Content Placeholder 3">
             <a:extLst>
               <a:ext uri="{FF2B5EF4-FFF2-40B4-BE49-F238E27FC236}">
-                <a16:creationId xmlns:a16="http://schemas.microsoft.com/office/drawing/2014/main" id="{7B073BA1-6E08-4790-916B-6C5184A2A6C3}"/>
+                <a16:creationId xmlns:a16="http://schemas.microsoft.com/office/drawing/2014/main" id="{47270C83-F618-443C-8B5C-9AD9ED9A7FD2}"/>
               </a:ext>
             </a:extLst>
           </p:cNvPr>
-          <p:cNvSpPr>
-            <a:spLocks noGrp="1"/>
-          </p:cNvSpPr>
+          <p:cNvGraphicFramePr>
+            <a:graphicFrameLocks noGrp="1"/>
+          </p:cNvGraphicFramePr>
           <p:nvPr>
             <p:ph idx="1"/>
-          </p:nvPr>
-        </p:nvSpPr>
-        <p:spPr/>
-        <p:txBody>
-          <a:bodyPr/>
-          <a:lstStyle/>
-          <a:p>
-            <a:pPr lvl="0"/>
-            <a:r>
-              <a:rPr lang="en-US" b="1" dirty="0"/>
-              <a:t>Web App:</a:t>
-            </a:r>
-            <a:endParaRPr lang="en-US" dirty="0"/>
-          </a:p>
-          <a:p>
-            <a:pPr lvl="1"/>
-            <a:r>
-              <a:rPr lang="en-US" dirty="0"/>
-              <a:t>Control the object on the map.</a:t>
-            </a:r>
-          </a:p>
-          <a:p>
-            <a:pPr lvl="1"/>
-            <a:r>
-              <a:rPr lang="en-US" dirty="0"/>
-              <a:t>Check the system status.</a:t>
-            </a:r>
-          </a:p>
-          <a:p>
-            <a:pPr lvl="0"/>
-            <a:r>
-              <a:rPr lang="en-US" b="1" dirty="0"/>
-              <a:t>Gateway and nodes:</a:t>
-            </a:r>
-            <a:endParaRPr lang="en-US" dirty="0"/>
-          </a:p>
-          <a:p>
-            <a:pPr lvl="1"/>
-            <a:r>
-              <a:rPr lang="en-US" dirty="0"/>
-              <a:t>Gateway receive message from web application and control nodes.</a:t>
-            </a:r>
-          </a:p>
-          <a:p>
-            <a:pPr lvl="1"/>
-            <a:r>
-              <a:rPr lang="en-US" dirty="0"/>
-              <a:t>Gateway receive coordinate from location block, handle it and then transmit them to web app.</a:t>
-            </a:r>
-          </a:p>
-          <a:p>
-            <a:pPr lvl="0"/>
-            <a:r>
-              <a:rPr lang="en-US" b="1" dirty="0"/>
-              <a:t>Location block:</a:t>
-            </a:r>
-            <a:endParaRPr lang="en-US" dirty="0"/>
-          </a:p>
-          <a:p>
-            <a:pPr lvl="1"/>
-            <a:r>
-              <a:rPr lang="en-US" dirty="0"/>
-              <a:t>Get and send coordinate to gateway.</a:t>
-            </a:r>
-          </a:p>
-          <a:p>
-            <a:endParaRPr lang="en-US" dirty="0"/>
-          </a:p>
-        </p:txBody>
-      </p:sp>
+            <p:extLst>
+              <p:ext uri="{D42A27DB-BD31-4B8C-83A1-F6EECF244321}">
+                <p14:modId xmlns:p14="http://schemas.microsoft.com/office/powerpoint/2010/main" val="3346624919"/>
+              </p:ext>
+            </p:extLst>
+          </p:nvPr>
+        </p:nvGraphicFramePr>
+        <p:xfrm>
+          <a:off x="677334" y="1748588"/>
+          <a:ext cx="8386454" cy="2804512"/>
+        </p:xfrm>
+        <a:graphic>
+          <a:graphicData uri="http://schemas.openxmlformats.org/drawingml/2006/table">
+            <a:tbl>
+              <a:tblPr firstRow="1" firstCol="1" bandRow="1">
+                <a:tableStyleId>{5C22544A-7EE6-4342-B048-85BDC9FD1C3A}</a:tableStyleId>
+              </a:tblPr>
+              <a:tblGrid>
+                <a:gridCol w="563219">
+                  <a:extLst>
+                    <a:ext uri="{9D8B030D-6E8A-4147-A177-3AD203B41FA5}">
+                      <a16:colId xmlns:a16="http://schemas.microsoft.com/office/drawing/2014/main" val="3656719201"/>
+                    </a:ext>
+                  </a:extLst>
+                </a:gridCol>
+                <a:gridCol w="2236705">
+                  <a:extLst>
+                    <a:ext uri="{9D8B030D-6E8A-4147-A177-3AD203B41FA5}">
+                      <a16:colId xmlns:a16="http://schemas.microsoft.com/office/drawing/2014/main" val="3884615224"/>
+                    </a:ext>
+                  </a:extLst>
+                </a:gridCol>
+                <a:gridCol w="1454338">
+                  <a:extLst>
+                    <a:ext uri="{9D8B030D-6E8A-4147-A177-3AD203B41FA5}">
+                      <a16:colId xmlns:a16="http://schemas.microsoft.com/office/drawing/2014/main" val="765139580"/>
+                    </a:ext>
+                  </a:extLst>
+                </a:gridCol>
+                <a:gridCol w="1361760">
+                  <a:extLst>
+                    <a:ext uri="{9D8B030D-6E8A-4147-A177-3AD203B41FA5}">
+                      <a16:colId xmlns:a16="http://schemas.microsoft.com/office/drawing/2014/main" val="3208988778"/>
+                    </a:ext>
+                  </a:extLst>
+                </a:gridCol>
+                <a:gridCol w="2770432">
+                  <a:extLst>
+                    <a:ext uri="{9D8B030D-6E8A-4147-A177-3AD203B41FA5}">
+                      <a16:colId xmlns:a16="http://schemas.microsoft.com/office/drawing/2014/main" val="2916447554"/>
+                    </a:ext>
+                  </a:extLst>
+                </a:gridCol>
+              </a:tblGrid>
+              <a:tr h="586082">
+                <a:tc>
+                  <a:txBody>
+                    <a:bodyPr/>
+                    <a:lstStyle/>
+                    <a:p>
+                      <a:pPr marL="0" marR="0" algn="ctr">
+                        <a:lnSpc>
+                          <a:spcPct val="150000"/>
+                        </a:lnSpc>
+                        <a:spcBef>
+                          <a:spcPts val="0"/>
+                        </a:spcBef>
+                        <a:spcAft>
+                          <a:spcPts val="800"/>
+                        </a:spcAft>
+                      </a:pPr>
+                      <a:r>
+                        <a:rPr lang="en-US" sz="1200" dirty="0">
+                          <a:effectLst/>
+                        </a:rPr>
+                        <a:t>No</a:t>
+                      </a:r>
+                      <a:endParaRPr lang="en-US" sz="1200" dirty="0">
+                        <a:effectLst/>
+                        <a:latin typeface="Calibri" panose="020F0502020204030204" pitchFamily="34" charset="0"/>
+                        <a:ea typeface="Times New Roman" panose="02020603050405020304" pitchFamily="18" charset="0"/>
+                        <a:cs typeface="Times New Roman" panose="02020603050405020304" pitchFamily="18" charset="0"/>
+                      </a:endParaRPr>
+                    </a:p>
+                  </a:txBody>
+                  <a:tcPr marL="68580" marR="68580" marT="0" marB="0" anchor="ctr"/>
+                </a:tc>
+                <a:tc>
+                  <a:txBody>
+                    <a:bodyPr/>
+                    <a:lstStyle/>
+                    <a:p>
+                      <a:pPr marL="0" marR="0" algn="ctr">
+                        <a:lnSpc>
+                          <a:spcPct val="150000"/>
+                        </a:lnSpc>
+                        <a:spcBef>
+                          <a:spcPts val="0"/>
+                        </a:spcBef>
+                        <a:spcAft>
+                          <a:spcPts val="800"/>
+                        </a:spcAft>
+                      </a:pPr>
+                      <a:r>
+                        <a:rPr lang="en-US" sz="1200" dirty="0">
+                          <a:effectLst/>
+                          <a:latin typeface="Calibri" panose="020F0502020204030204" pitchFamily="34" charset="0"/>
+                          <a:ea typeface="Times New Roman" panose="02020603050405020304" pitchFamily="18" charset="0"/>
+                          <a:cs typeface="Times New Roman" panose="02020603050405020304" pitchFamily="18" charset="0"/>
+                        </a:rPr>
+                        <a:t>Name</a:t>
+                      </a:r>
+                    </a:p>
+                  </a:txBody>
+                  <a:tcPr marL="68580" marR="68580" marT="0" marB="0" anchor="ctr"/>
+                </a:tc>
+                <a:tc>
+                  <a:txBody>
+                    <a:bodyPr/>
+                    <a:lstStyle/>
+                    <a:p>
+                      <a:pPr marL="0" marR="0" algn="ctr">
+                        <a:lnSpc>
+                          <a:spcPct val="150000"/>
+                        </a:lnSpc>
+                        <a:spcBef>
+                          <a:spcPts val="0"/>
+                        </a:spcBef>
+                        <a:spcAft>
+                          <a:spcPts val="800"/>
+                        </a:spcAft>
+                      </a:pPr>
+                      <a:r>
+                        <a:rPr lang="en-US" sz="1200" dirty="0">
+                          <a:effectLst/>
+                        </a:rPr>
+                        <a:t>Cost</a:t>
+                      </a:r>
+                      <a:endParaRPr lang="en-US" sz="1200" dirty="0">
+                        <a:effectLst/>
+                        <a:latin typeface="Calibri" panose="020F0502020204030204" pitchFamily="34" charset="0"/>
+                        <a:ea typeface="Times New Roman" panose="02020603050405020304" pitchFamily="18" charset="0"/>
+                        <a:cs typeface="Times New Roman" panose="02020603050405020304" pitchFamily="18" charset="0"/>
+                      </a:endParaRPr>
+                    </a:p>
+                  </a:txBody>
+                  <a:tcPr marL="68580" marR="68580" marT="0" marB="0" anchor="ctr"/>
+                </a:tc>
+                <a:tc>
+                  <a:txBody>
+                    <a:bodyPr/>
+                    <a:lstStyle/>
+                    <a:p>
+                      <a:pPr marL="0" marR="0" algn="ctr">
+                        <a:lnSpc>
+                          <a:spcPct val="150000"/>
+                        </a:lnSpc>
+                        <a:spcBef>
+                          <a:spcPts val="0"/>
+                        </a:spcBef>
+                        <a:spcAft>
+                          <a:spcPts val="800"/>
+                        </a:spcAft>
+                      </a:pPr>
+                      <a:r>
+                        <a:rPr lang="en-US" sz="1200" dirty="0">
+                          <a:effectLst/>
+                        </a:rPr>
+                        <a:t>Kind of map</a:t>
+                      </a:r>
+                      <a:endParaRPr lang="en-US" sz="1200" dirty="0">
+                        <a:effectLst/>
+                        <a:latin typeface="Calibri" panose="020F0502020204030204" pitchFamily="34" charset="0"/>
+                        <a:ea typeface="Times New Roman" panose="02020603050405020304" pitchFamily="18" charset="0"/>
+                        <a:cs typeface="Times New Roman" panose="02020603050405020304" pitchFamily="18" charset="0"/>
+                      </a:endParaRPr>
+                    </a:p>
+                  </a:txBody>
+                  <a:tcPr marL="68580" marR="68580" marT="0" marB="0" anchor="ctr"/>
+                </a:tc>
+                <a:tc>
+                  <a:txBody>
+                    <a:bodyPr/>
+                    <a:lstStyle/>
+                    <a:p>
+                      <a:pPr marL="0" marR="0" lvl="0" indent="0" algn="ctr" defTabSz="457200" rtl="0" eaLnBrk="1" fontAlgn="auto" latinLnBrk="0" hangingPunct="1">
+                        <a:lnSpc>
+                          <a:spcPct val="150000"/>
+                        </a:lnSpc>
+                        <a:spcBef>
+                          <a:spcPts val="0"/>
+                        </a:spcBef>
+                        <a:spcAft>
+                          <a:spcPts val="800"/>
+                        </a:spcAft>
+                        <a:buClrTx/>
+                        <a:buSzTx/>
+                        <a:buFontTx/>
+                        <a:buNone/>
+                        <a:tabLst/>
+                        <a:defRPr/>
+                      </a:pPr>
+                      <a:r>
+                        <a:rPr lang="en-US" sz="1200" b="1" dirty="0"/>
+                        <a:t>Accuracy </a:t>
+                      </a:r>
+                    </a:p>
+                  </a:txBody>
+                  <a:tcPr marL="68580" marR="68580" marT="0" marB="0" anchor="ctr"/>
+                </a:tc>
+                <a:extLst>
+                  <a:ext uri="{0D108BD9-81ED-4DB2-BD59-A6C34878D82A}">
+                    <a16:rowId xmlns:a16="http://schemas.microsoft.com/office/drawing/2014/main" val="3784226987"/>
+                  </a:ext>
+                </a:extLst>
+              </a:tr>
+              <a:tr h="1109215">
+                <a:tc>
+                  <a:txBody>
+                    <a:bodyPr/>
+                    <a:lstStyle/>
+                    <a:p>
+                      <a:pPr marL="0" marR="0" algn="ctr">
+                        <a:lnSpc>
+                          <a:spcPct val="150000"/>
+                        </a:lnSpc>
+                        <a:spcBef>
+                          <a:spcPts val="0"/>
+                        </a:spcBef>
+                        <a:spcAft>
+                          <a:spcPts val="800"/>
+                        </a:spcAft>
+                      </a:pPr>
+                      <a:r>
+                        <a:rPr lang="en-US" sz="1200">
+                          <a:effectLst/>
+                        </a:rPr>
+                        <a:t>1</a:t>
+                      </a:r>
+                      <a:endParaRPr lang="en-US" sz="1200">
+                        <a:effectLst/>
+                        <a:latin typeface="Calibri" panose="020F0502020204030204" pitchFamily="34" charset="0"/>
+                        <a:ea typeface="Times New Roman" panose="02020603050405020304" pitchFamily="18" charset="0"/>
+                        <a:cs typeface="Times New Roman" panose="02020603050405020304" pitchFamily="18" charset="0"/>
+                      </a:endParaRPr>
+                    </a:p>
+                  </a:txBody>
+                  <a:tcPr marL="68580" marR="68580" marT="0" marB="0" anchor="ctr"/>
+                </a:tc>
+                <a:tc>
+                  <a:txBody>
+                    <a:bodyPr/>
+                    <a:lstStyle/>
+                    <a:p>
+                      <a:pPr marL="0" marR="0" algn="ctr">
+                        <a:lnSpc>
+                          <a:spcPct val="150000"/>
+                        </a:lnSpc>
+                        <a:spcBef>
+                          <a:spcPts val="0"/>
+                        </a:spcBef>
+                        <a:spcAft>
+                          <a:spcPts val="800"/>
+                        </a:spcAft>
+                      </a:pPr>
+                      <a:r>
+                        <a:rPr lang="en-US" sz="1200" dirty="0">
+                          <a:effectLst/>
+                          <a:latin typeface="Calibri" panose="020F0502020204030204" pitchFamily="34" charset="0"/>
+                          <a:ea typeface="Times New Roman" panose="02020603050405020304" pitchFamily="18" charset="0"/>
+                          <a:cs typeface="Times New Roman" panose="02020603050405020304" pitchFamily="18" charset="0"/>
+                        </a:rPr>
+                        <a:t>GPS (Google API, Google Map)</a:t>
+                      </a:r>
+                    </a:p>
+                  </a:txBody>
+                  <a:tcPr marL="68580" marR="68580" marT="0" marB="0" anchor="ctr"/>
+                </a:tc>
+                <a:tc>
+                  <a:txBody>
+                    <a:bodyPr/>
+                    <a:lstStyle/>
+                    <a:p>
+                      <a:pPr marL="0" marR="0" algn="ctr">
+                        <a:lnSpc>
+                          <a:spcPct val="150000"/>
+                        </a:lnSpc>
+                        <a:spcBef>
+                          <a:spcPts val="0"/>
+                        </a:spcBef>
+                        <a:spcAft>
+                          <a:spcPts val="800"/>
+                        </a:spcAft>
+                      </a:pPr>
+                      <a:r>
+                        <a:rPr lang="en-US" sz="1200" dirty="0">
+                          <a:effectLst/>
+                          <a:latin typeface="Calibri" panose="020F0502020204030204" pitchFamily="34" charset="0"/>
+                          <a:ea typeface="Times New Roman" panose="02020603050405020304" pitchFamily="18" charset="0"/>
+                          <a:cs typeface="Times New Roman" panose="02020603050405020304" pitchFamily="18" charset="0"/>
+                        </a:rPr>
+                        <a:t>~$15</a:t>
+                      </a:r>
+                    </a:p>
+                  </a:txBody>
+                  <a:tcPr marL="68580" marR="68580" marT="0" marB="0" anchor="ctr"/>
+                </a:tc>
+                <a:tc>
+                  <a:txBody>
+                    <a:bodyPr/>
+                    <a:lstStyle/>
+                    <a:p>
+                      <a:pPr marL="0" marR="0" algn="ctr">
+                        <a:lnSpc>
+                          <a:spcPct val="150000"/>
+                        </a:lnSpc>
+                        <a:spcBef>
+                          <a:spcPts val="0"/>
+                        </a:spcBef>
+                        <a:spcAft>
+                          <a:spcPts val="800"/>
+                        </a:spcAft>
+                      </a:pPr>
+                      <a:r>
+                        <a:rPr lang="en-US" sz="1200" dirty="0">
+                          <a:effectLst/>
+                          <a:latin typeface="Calibri" panose="020F0502020204030204" pitchFamily="34" charset="0"/>
+                          <a:ea typeface="Times New Roman" panose="02020603050405020304" pitchFamily="18" charset="0"/>
+                          <a:cs typeface="Times New Roman" panose="02020603050405020304" pitchFamily="18" charset="0"/>
+                        </a:rPr>
+                        <a:t>World Map</a:t>
+                      </a:r>
+                    </a:p>
+                  </a:txBody>
+                  <a:tcPr marL="68580" marR="68580" marT="0" marB="0" anchor="ctr"/>
+                </a:tc>
+                <a:tc>
+                  <a:txBody>
+                    <a:bodyPr/>
+                    <a:lstStyle/>
+                    <a:p>
+                      <a:pPr marL="0" marR="0" algn="ctr">
+                        <a:lnSpc>
+                          <a:spcPct val="150000"/>
+                        </a:lnSpc>
+                        <a:spcBef>
+                          <a:spcPts val="0"/>
+                        </a:spcBef>
+                        <a:spcAft>
+                          <a:spcPts val="800"/>
+                        </a:spcAft>
+                      </a:pPr>
+                      <a:r>
+                        <a:rPr lang="en-US" sz="1200" dirty="0">
+                          <a:effectLst/>
+                          <a:latin typeface="Calibri" panose="020F0502020204030204" pitchFamily="34" charset="0"/>
+                          <a:ea typeface="Times New Roman" panose="02020603050405020304" pitchFamily="18" charset="0"/>
+                          <a:cs typeface="Times New Roman" panose="02020603050405020304" pitchFamily="18" charset="0"/>
+                        </a:rPr>
+                        <a:t>100-300m</a:t>
+                      </a:r>
+                    </a:p>
+                  </a:txBody>
+                  <a:tcPr marL="68580" marR="68580" marT="0" marB="0" anchor="ctr"/>
+                </a:tc>
+                <a:extLst>
+                  <a:ext uri="{0D108BD9-81ED-4DB2-BD59-A6C34878D82A}">
+                    <a16:rowId xmlns:a16="http://schemas.microsoft.com/office/drawing/2014/main" val="3317193311"/>
+                  </a:ext>
+                </a:extLst>
+              </a:tr>
+              <a:tr h="1109215">
+                <a:tc>
+                  <a:txBody>
+                    <a:bodyPr/>
+                    <a:lstStyle/>
+                    <a:p>
+                      <a:pPr marL="0" marR="0" algn="ctr">
+                        <a:lnSpc>
+                          <a:spcPct val="150000"/>
+                        </a:lnSpc>
+                        <a:spcBef>
+                          <a:spcPts val="0"/>
+                        </a:spcBef>
+                        <a:spcAft>
+                          <a:spcPts val="800"/>
+                        </a:spcAft>
+                      </a:pPr>
+                      <a:r>
+                        <a:rPr lang="en-US" sz="1200">
+                          <a:effectLst/>
+                        </a:rPr>
+                        <a:t>2</a:t>
+                      </a:r>
+                      <a:endParaRPr lang="en-US" sz="1200">
+                        <a:effectLst/>
+                        <a:latin typeface="Calibri" panose="020F0502020204030204" pitchFamily="34" charset="0"/>
+                        <a:ea typeface="Times New Roman" panose="02020603050405020304" pitchFamily="18" charset="0"/>
+                        <a:cs typeface="Times New Roman" panose="02020603050405020304" pitchFamily="18" charset="0"/>
+                      </a:endParaRPr>
+                    </a:p>
+                  </a:txBody>
+                  <a:tcPr marL="68580" marR="68580" marT="0" marB="0" anchor="ctr"/>
+                </a:tc>
+                <a:tc>
+                  <a:txBody>
+                    <a:bodyPr/>
+                    <a:lstStyle/>
+                    <a:p>
+                      <a:pPr marL="0" marR="0" algn="ctr">
+                        <a:lnSpc>
+                          <a:spcPct val="150000"/>
+                        </a:lnSpc>
+                        <a:spcBef>
+                          <a:spcPts val="0"/>
+                        </a:spcBef>
+                        <a:spcAft>
+                          <a:spcPts val="800"/>
+                        </a:spcAft>
+                      </a:pPr>
+                      <a:r>
+                        <a:rPr lang="en-US" sz="1200" dirty="0" err="1">
+                          <a:effectLst/>
+                          <a:latin typeface="Calibri" panose="020F0502020204030204" pitchFamily="34" charset="0"/>
+                          <a:ea typeface="Times New Roman" panose="02020603050405020304" pitchFamily="18" charset="0"/>
+                          <a:cs typeface="Times New Roman" panose="02020603050405020304" pitchFamily="18" charset="0"/>
+                        </a:rPr>
+                        <a:t>Btracking</a:t>
+                      </a:r>
+                      <a:endParaRPr lang="en-US" sz="1200" dirty="0">
+                        <a:effectLst/>
+                        <a:latin typeface="Calibri" panose="020F0502020204030204" pitchFamily="34" charset="0"/>
+                        <a:ea typeface="Times New Roman" panose="02020603050405020304" pitchFamily="18" charset="0"/>
+                        <a:cs typeface="Times New Roman" panose="02020603050405020304" pitchFamily="18" charset="0"/>
+                      </a:endParaRPr>
+                    </a:p>
+                  </a:txBody>
+                  <a:tcPr marL="68580" marR="68580" marT="0" marB="0" anchor="ctr"/>
+                </a:tc>
+                <a:tc>
+                  <a:txBody>
+                    <a:bodyPr/>
+                    <a:lstStyle/>
+                    <a:p>
+                      <a:pPr marL="0" marR="0" algn="ctr">
+                        <a:lnSpc>
+                          <a:spcPct val="150000"/>
+                        </a:lnSpc>
+                        <a:spcBef>
+                          <a:spcPts val="0"/>
+                        </a:spcBef>
+                        <a:spcAft>
+                          <a:spcPts val="800"/>
+                        </a:spcAft>
+                      </a:pPr>
+                      <a:r>
+                        <a:rPr lang="en-US" sz="1200" dirty="0">
+                          <a:effectLst/>
+                        </a:rPr>
+                        <a:t>~$40</a:t>
+                      </a:r>
+                      <a:endParaRPr lang="en-US" sz="1200" dirty="0">
+                        <a:effectLst/>
+                        <a:latin typeface="Calibri" panose="020F0502020204030204" pitchFamily="34" charset="0"/>
+                        <a:ea typeface="Times New Roman" panose="02020603050405020304" pitchFamily="18" charset="0"/>
+                        <a:cs typeface="Times New Roman" panose="02020603050405020304" pitchFamily="18" charset="0"/>
+                      </a:endParaRPr>
+                    </a:p>
+                  </a:txBody>
+                  <a:tcPr marL="68580" marR="68580" marT="0" marB="0" anchor="ctr"/>
+                </a:tc>
+                <a:tc>
+                  <a:txBody>
+                    <a:bodyPr/>
+                    <a:lstStyle/>
+                    <a:p>
+                      <a:pPr marL="0" marR="0" algn="ctr">
+                        <a:lnSpc>
+                          <a:spcPct val="150000"/>
+                        </a:lnSpc>
+                        <a:spcBef>
+                          <a:spcPts val="0"/>
+                        </a:spcBef>
+                        <a:spcAft>
+                          <a:spcPts val="800"/>
+                        </a:spcAft>
+                      </a:pPr>
+                      <a:r>
+                        <a:rPr lang="en-US" sz="1200" dirty="0">
+                          <a:effectLst/>
+                        </a:rPr>
+                        <a:t>Direct Map</a:t>
+                      </a:r>
+                      <a:endParaRPr lang="en-US" sz="1200" dirty="0">
+                        <a:effectLst/>
+                        <a:latin typeface="Calibri" panose="020F0502020204030204" pitchFamily="34" charset="0"/>
+                        <a:ea typeface="Times New Roman" panose="02020603050405020304" pitchFamily="18" charset="0"/>
+                        <a:cs typeface="Times New Roman" panose="02020603050405020304" pitchFamily="18" charset="0"/>
+                      </a:endParaRPr>
+                    </a:p>
+                  </a:txBody>
+                  <a:tcPr marL="68580" marR="68580" marT="0" marB="0" anchor="ctr"/>
+                </a:tc>
+                <a:tc>
+                  <a:txBody>
+                    <a:bodyPr/>
+                    <a:lstStyle/>
+                    <a:p>
+                      <a:pPr marL="0" marR="0" algn="ctr">
+                        <a:lnSpc>
+                          <a:spcPct val="150000"/>
+                        </a:lnSpc>
+                        <a:spcBef>
+                          <a:spcPts val="0"/>
+                        </a:spcBef>
+                        <a:spcAft>
+                          <a:spcPts val="800"/>
+                        </a:spcAft>
+                      </a:pPr>
+                      <a:r>
+                        <a:rPr lang="en-US" sz="1200" dirty="0">
+                          <a:effectLst/>
+                          <a:latin typeface="Calibri" panose="020F0502020204030204" pitchFamily="34" charset="0"/>
+                          <a:ea typeface="Times New Roman" panose="02020603050405020304" pitchFamily="18" charset="0"/>
+                          <a:cs typeface="Times New Roman" panose="02020603050405020304" pitchFamily="18" charset="0"/>
+                        </a:rPr>
+                        <a:t>0.1-0.2m</a:t>
+                      </a:r>
+                    </a:p>
+                  </a:txBody>
+                  <a:tcPr marL="68580" marR="68580" marT="0" marB="0" anchor="ctr"/>
+                </a:tc>
+                <a:extLst>
+                  <a:ext uri="{0D108BD9-81ED-4DB2-BD59-A6C34878D82A}">
+                    <a16:rowId xmlns:a16="http://schemas.microsoft.com/office/drawing/2014/main" val="2903248364"/>
+                  </a:ext>
+                </a:extLst>
+              </a:tr>
+            </a:tbl>
+          </a:graphicData>
+        </a:graphic>
+      </p:graphicFrame>
     </p:spTree>
     <p:extLst>
       <p:ext uri="{BB962C8B-B14F-4D97-AF65-F5344CB8AC3E}">
-        <p14:creationId xmlns:p14="http://schemas.microsoft.com/office/powerpoint/2010/main" val="2977646895"/>
+        <p14:creationId xmlns:p14="http://schemas.microsoft.com/office/powerpoint/2010/main" val="736163122"/>
       </p:ext>
     </p:extLst>
   </p:cSld>
@@ -8640,7 +9721,7 @@
           <p:cNvPr id="2" name="Title 1">
             <a:extLst>
               <a:ext uri="{FF2B5EF4-FFF2-40B4-BE49-F238E27FC236}">
-                <a16:creationId xmlns:a16="http://schemas.microsoft.com/office/drawing/2014/main" id="{5FB4AB7A-2CC2-4547-91F4-3210891BA623}"/>
+                <a16:creationId xmlns:a16="http://schemas.microsoft.com/office/drawing/2014/main" id="{17BB0B30-5FA6-4617-9BE6-37B493F4FD18}"/>
               </a:ext>
             </a:extLst>
           </p:cNvPr>
@@ -8658,98 +9739,121 @@
           <a:p>
             <a:r>
               <a:rPr lang="en-US" dirty="0"/>
-              <a:t>Proposed Solution</a:t>
-            </a:r>
-          </a:p>
-        </p:txBody>
-      </p:sp>
-      <p:sp>
-        <p:nvSpPr>
-          <p:cNvPr id="3" name="Content Placeholder 2">
+              <a:t>Solutions</a:t>
+            </a:r>
+          </a:p>
+        </p:txBody>
+      </p:sp>
+      <p:pic>
+        <p:nvPicPr>
+          <p:cNvPr id="6" name="Content Placeholder 5">
             <a:extLst>
               <a:ext uri="{FF2B5EF4-FFF2-40B4-BE49-F238E27FC236}">
-                <a16:creationId xmlns:a16="http://schemas.microsoft.com/office/drawing/2014/main" id="{FBF960A8-BA68-4B24-850D-185DBB437D86}"/>
+                <a16:creationId xmlns:a16="http://schemas.microsoft.com/office/drawing/2014/main" id="{FE740863-2D2D-42A4-8E3F-4CD159F2D7B7}"/>
               </a:ext>
             </a:extLst>
           </p:cNvPr>
-          <p:cNvSpPr>
-            <a:spLocks noGrp="1"/>
-          </p:cNvSpPr>
+          <p:cNvPicPr>
+            <a:picLocks noGrp="1" noChangeAspect="1"/>
+          </p:cNvPicPr>
           <p:nvPr>
             <p:ph idx="1"/>
           </p:nvPr>
-        </p:nvSpPr>
-        <p:spPr/>
-        <p:txBody>
-          <a:bodyPr/>
-          <a:lstStyle/>
-          <a:p>
-            <a:pPr lvl="0"/>
-            <a:r>
-              <a:rPr lang="en-US" b="1" dirty="0"/>
-              <a:t>Advantages:</a:t>
-            </a:r>
-            <a:endParaRPr lang="en-US" dirty="0"/>
-          </a:p>
-          <a:p>
-            <a:pPr lvl="1"/>
-            <a:r>
-              <a:rPr lang="en-US" dirty="0"/>
-              <a:t>Low costs which allow more affordable prices.</a:t>
-            </a:r>
-          </a:p>
-          <a:p>
-            <a:pPr lvl="1"/>
-            <a:r>
-              <a:rPr lang="en-US" dirty="0"/>
-              <a:t>Can control using web app.</a:t>
-            </a:r>
-          </a:p>
-          <a:p>
-            <a:pPr lvl="1"/>
-            <a:r>
-              <a:rPr lang="en-US" dirty="0"/>
-              <a:t>Can see all the objects on the map.</a:t>
-            </a:r>
-          </a:p>
-          <a:p>
-            <a:pPr lvl="1"/>
-            <a:r>
-              <a:rPr lang="en-US" dirty="0"/>
-              <a:t>Can be easily set up anywhere.  </a:t>
-            </a:r>
-          </a:p>
-          <a:p>
-            <a:pPr lvl="1"/>
-            <a:r>
-              <a:rPr lang="en-US" dirty="0"/>
-              <a:t>Higher security.</a:t>
-            </a:r>
-          </a:p>
-          <a:p>
-            <a:pPr lvl="0"/>
-            <a:r>
-              <a:rPr lang="en-US" b="1" dirty="0"/>
-              <a:t>Disadvantages:</a:t>
-            </a:r>
-            <a:endParaRPr lang="en-US" dirty="0"/>
-          </a:p>
-          <a:p>
-            <a:pPr lvl="1"/>
-            <a:r>
-              <a:rPr lang="en-US" dirty="0"/>
-              <a:t>The range be limited by map. </a:t>
-            </a:r>
-          </a:p>
-          <a:p>
-            <a:endParaRPr lang="en-US" dirty="0"/>
-          </a:p>
-        </p:txBody>
-      </p:sp>
+        </p:nvPicPr>
+        <p:blipFill>
+          <a:blip r:embed="rId2"/>
+          <a:stretch>
+            <a:fillRect/>
+          </a:stretch>
+        </p:blipFill>
+        <p:spPr>
+          <a:xfrm>
+            <a:off x="4443226" y="2160589"/>
+            <a:ext cx="5175249" cy="3881437"/>
+          </a:xfrm>
+        </p:spPr>
+      </p:pic>
+      <p:pic>
+        <p:nvPicPr>
+          <p:cNvPr id="4" name="Picture 2" descr="Kết quả hình ảnh cho camera security">
+            <a:extLst>
+              <a:ext uri="{FF2B5EF4-FFF2-40B4-BE49-F238E27FC236}">
+                <a16:creationId xmlns:a16="http://schemas.microsoft.com/office/drawing/2014/main" id="{D73EB547-2122-43CA-A89A-6E33CE08D4D7}"/>
+              </a:ext>
+            </a:extLst>
+          </p:cNvPr>
+          <p:cNvPicPr>
+            <a:picLocks noChangeAspect="1" noChangeArrowheads="1"/>
+          </p:cNvPicPr>
+          <p:nvPr/>
+        </p:nvPicPr>
+        <p:blipFill>
+          <a:blip r:embed="rId3">
+            <a:extLst>
+              <a:ext uri="{28A0092B-C50C-407E-A947-70E740481C1C}">
+                <a14:useLocalDpi xmlns:a14="http://schemas.microsoft.com/office/drawing/2010/main" val="0"/>
+              </a:ext>
+            </a:extLst>
+          </a:blip>
+          <a:srcRect/>
+          <a:stretch>
+            <a:fillRect/>
+          </a:stretch>
+        </p:blipFill>
+        <p:spPr bwMode="auto">
+          <a:xfrm>
+            <a:off x="677334" y="2160589"/>
+            <a:ext cx="3305730" cy="2199813"/>
+          </a:xfrm>
+          <a:prstGeom prst="rect">
+            <a:avLst/>
+          </a:prstGeom>
+          <a:noFill/>
+          <a:extLst>
+            <a:ext uri="{909E8E84-426E-40DD-AFC4-6F175D3DCCD1}">
+              <a14:hiddenFill xmlns:a14="http://schemas.microsoft.com/office/drawing/2010/main">
+                <a:solidFill>
+                  <a:srgbClr val="FFFFFF"/>
+                </a:solidFill>
+              </a14:hiddenFill>
+            </a:ext>
+          </a:extLst>
+        </p:spPr>
+      </p:pic>
+      <p:pic>
+        <p:nvPicPr>
+          <p:cNvPr id="8" name="Picture 7">
+            <a:extLst>
+              <a:ext uri="{FF2B5EF4-FFF2-40B4-BE49-F238E27FC236}">
+                <a16:creationId xmlns:a16="http://schemas.microsoft.com/office/drawing/2014/main" id="{EDBDD4CB-0041-45EF-9BCD-A56E42780E08}"/>
+              </a:ext>
+            </a:extLst>
+          </p:cNvPr>
+          <p:cNvPicPr>
+            <a:picLocks noChangeAspect="1"/>
+          </p:cNvPicPr>
+          <p:nvPr/>
+        </p:nvPicPr>
+        <p:blipFill>
+          <a:blip r:embed="rId4"/>
+          <a:stretch>
+            <a:fillRect/>
+          </a:stretch>
+        </p:blipFill>
+        <p:spPr>
+          <a:xfrm>
+            <a:off x="1585726" y="4718051"/>
+            <a:ext cx="2857500" cy="1323975"/>
+          </a:xfrm>
+          <a:prstGeom prst="rect">
+            <a:avLst/>
+          </a:prstGeom>
+        </p:spPr>
+      </p:pic>
     </p:spTree>
     <p:extLst>
       <p:ext uri="{BB962C8B-B14F-4D97-AF65-F5344CB8AC3E}">
-        <p14:creationId xmlns:p14="http://schemas.microsoft.com/office/powerpoint/2010/main" val="1770915150"/>
+        <p14:creationId xmlns:p14="http://schemas.microsoft.com/office/powerpoint/2010/main" val="1385048308"/>
       </p:ext>
     </p:extLst>
   </p:cSld>
@@ -8781,7 +9885,7 @@
           <p:cNvPr id="2" name="Title 1">
             <a:extLst>
               <a:ext uri="{FF2B5EF4-FFF2-40B4-BE49-F238E27FC236}">
-                <a16:creationId xmlns:a16="http://schemas.microsoft.com/office/drawing/2014/main" id="{E3FE8475-CD11-4308-88D5-E6B5468EE260}"/>
+                <a16:creationId xmlns:a16="http://schemas.microsoft.com/office/drawing/2014/main" id="{E2F3906D-C886-4938-BEEA-6F3790FF2EDF}"/>
               </a:ext>
             </a:extLst>
           </p:cNvPr>
@@ -8798,52 +9902,100 @@
           <a:lstStyle/>
           <a:p>
             <a:r>
-              <a:rPr lang="en-US" b="1" dirty="0"/>
-              <a:t>Functional Requirements</a:t>
-            </a:r>
-            <a:br>
-              <a:rPr lang="en-US" b="1" dirty="0"/>
-            </a:br>
-            <a:endParaRPr lang="en-US" dirty="0"/>
-          </a:p>
-        </p:txBody>
-      </p:sp>
-      <p:pic>
-        <p:nvPicPr>
-          <p:cNvPr id="4" name="Content Placeholder 3">
+              <a:rPr lang="en-US" dirty="0"/>
+              <a:t>Proposed Solution</a:t>
+            </a:r>
+          </a:p>
+        </p:txBody>
+      </p:sp>
+      <p:sp>
+        <p:nvSpPr>
+          <p:cNvPr id="3" name="Content Placeholder 2">
             <a:extLst>
               <a:ext uri="{FF2B5EF4-FFF2-40B4-BE49-F238E27FC236}">
-                <a16:creationId xmlns:a16="http://schemas.microsoft.com/office/drawing/2014/main" id="{093170DA-4C35-4B2C-BA17-FCE7DF969255}"/>
+                <a16:creationId xmlns:a16="http://schemas.microsoft.com/office/drawing/2014/main" id="{7B073BA1-6E08-4790-916B-6C5184A2A6C3}"/>
               </a:ext>
             </a:extLst>
           </p:cNvPr>
-          <p:cNvPicPr>
-            <a:picLocks noGrp="1" noChangeAspect="1"/>
-          </p:cNvPicPr>
+          <p:cNvSpPr>
+            <a:spLocks noGrp="1"/>
+          </p:cNvSpPr>
           <p:nvPr>
             <p:ph idx="1"/>
           </p:nvPr>
-        </p:nvPicPr>
-        <p:blipFill>
-          <a:blip r:embed="rId2"/>
-          <a:stretch>
-            <a:fillRect/>
-          </a:stretch>
-        </p:blipFill>
-        <p:spPr>
-          <a:xfrm>
-            <a:off x="271043" y="1930400"/>
-            <a:ext cx="8819439" cy="4069347"/>
-          </a:xfrm>
-          <a:prstGeom prst="rect">
-            <a:avLst/>
-          </a:prstGeom>
-        </p:spPr>
-      </p:pic>
+        </p:nvSpPr>
+        <p:spPr/>
+        <p:txBody>
+          <a:bodyPr/>
+          <a:lstStyle/>
+          <a:p>
+            <a:pPr lvl="0"/>
+            <a:r>
+              <a:rPr lang="en-US" b="1" dirty="0"/>
+              <a:t>Web App:</a:t>
+            </a:r>
+            <a:endParaRPr lang="en-US" dirty="0"/>
+          </a:p>
+          <a:p>
+            <a:pPr lvl="1"/>
+            <a:r>
+              <a:rPr lang="en-US" dirty="0"/>
+              <a:t>Control the object on the map.</a:t>
+            </a:r>
+          </a:p>
+          <a:p>
+            <a:pPr lvl="1"/>
+            <a:r>
+              <a:rPr lang="en-US" dirty="0"/>
+              <a:t>Check the system status.</a:t>
+            </a:r>
+          </a:p>
+          <a:p>
+            <a:pPr lvl="0"/>
+            <a:r>
+              <a:rPr lang="en-US" b="1" dirty="0"/>
+              <a:t>Gateway and nodes:</a:t>
+            </a:r>
+            <a:endParaRPr lang="en-US" dirty="0"/>
+          </a:p>
+          <a:p>
+            <a:pPr lvl="1"/>
+            <a:r>
+              <a:rPr lang="en-US" dirty="0"/>
+              <a:t>Gateway receive message from web application and control nodes.</a:t>
+            </a:r>
+          </a:p>
+          <a:p>
+            <a:pPr lvl="1"/>
+            <a:r>
+              <a:rPr lang="en-US" dirty="0"/>
+              <a:t>Gateway receive coordinate from location block, handle it and then transmit them to web app.</a:t>
+            </a:r>
+          </a:p>
+          <a:p>
+            <a:pPr lvl="0"/>
+            <a:r>
+              <a:rPr lang="en-US" b="1" dirty="0"/>
+              <a:t>Location block:</a:t>
+            </a:r>
+            <a:endParaRPr lang="en-US" dirty="0"/>
+          </a:p>
+          <a:p>
+            <a:pPr lvl="1"/>
+            <a:r>
+              <a:rPr lang="en-US" dirty="0"/>
+              <a:t>Get and send coordinate to gateway.</a:t>
+            </a:r>
+          </a:p>
+          <a:p>
+            <a:endParaRPr lang="en-US" dirty="0"/>
+          </a:p>
+        </p:txBody>
+      </p:sp>
     </p:spTree>
     <p:extLst>
       <p:ext uri="{BB962C8B-B14F-4D97-AF65-F5344CB8AC3E}">
-        <p14:creationId xmlns:p14="http://schemas.microsoft.com/office/powerpoint/2010/main" val="3115800417"/>
+        <p14:creationId xmlns:p14="http://schemas.microsoft.com/office/powerpoint/2010/main" val="2977646895"/>
       </p:ext>
     </p:extLst>
   </p:cSld>
